--- a/JobList/Scratch_Job1.pptx
+++ b/JobList/Scratch_Job1.pptx
@@ -10,6 +10,7 @@
     <p:sldId id="257" r:id="rId5"/>
     <p:sldId id="259" r:id="rId6"/>
     <p:sldId id="260" r:id="rId7"/>
+    <p:sldId id="261" r:id="rId8"/>
   </p:sldIdLst>
   <p:sldSz cx="9144000" cy="6858000" type="screen4x3"/>
   <p:notesSz cx="6858000" cy="9144000"/>
@@ -8888,13 +8889,7 @@
               <a:rPr lang="en-US" altLang="zh-CN">
                 <a:sym typeface="+mn-ea"/>
               </a:rPr>
-              <a:t>v</a:t>
-            </a:r>
-            <a:r>
-              <a:rPr lang="en-US" altLang="zh-CN">
-                <a:sym typeface="+mn-ea"/>
-              </a:rPr>
-              <a:t> </a:t>
+              <a:t>v </a:t>
             </a:r>
             <a:r>
               <a:rPr lang="zh-CN" altLang="en-US">
@@ -8906,13 +8901,7 @@
               <a:rPr lang="en-US" altLang="zh-CN">
                 <a:sym typeface="+mn-ea"/>
               </a:rPr>
-              <a:t>vertical</a:t>
-            </a:r>
-            <a:r>
-              <a:rPr lang="en-US" altLang="zh-CN">
-                <a:sym typeface="+mn-ea"/>
-              </a:rPr>
-              <a:t> (</a:t>
+              <a:t>vertical (</a:t>
             </a:r>
             <a:r>
               <a:rPr lang="zh-CN" altLang="en-US">
@@ -10235,13 +10224,7 @@
               <a:rPr lang="zh-CN" altLang="en-US">
                 <a:sym typeface="+mn-ea"/>
               </a:rPr>
-              <a:t>表示在同一列中</a:t>
-            </a:r>
-            <a:r>
-              <a:rPr lang="zh-CN" altLang="en-US">
-                <a:sym typeface="+mn-ea"/>
-              </a:rPr>
-              <a:t>相邻两个</a:t>
+              <a:t>表示在同一列中相邻两个</a:t>
             </a:r>
             <a:r>
               <a:rPr lang="en-US" altLang="zh-CN">
@@ -14311,6 +14294,1468 @@
           </a:fontRef>
         </p:style>
       </p:cxnSp>
+    </p:spTree>
+  </p:cSld>
+  <p:clrMapOvr>
+    <a:masterClrMapping/>
+  </p:clrMapOvr>
+</p:sld>
+</file>
+
+<file path=ppt/slides/slide5.xml><?xml version="1.0" encoding="utf-8"?>
+<p:sld xmlns:a="http://schemas.openxmlformats.org/drawingml/2006/main" xmlns:r="http://schemas.openxmlformats.org/officeDocument/2006/relationships" xmlns:p="http://schemas.openxmlformats.org/presentationml/2006/main">
+  <p:cSld>
+    <p:spTree>
+      <p:nvGrpSpPr>
+        <p:cNvPr id="1" name=""/>
+        <p:cNvGrpSpPr/>
+        <p:nvPr/>
+      </p:nvGrpSpPr>
+      <p:grpSpPr/>
+      <p:pic>
+        <p:nvPicPr>
+          <p:cNvPr id="4" name="图片 3" descr="Walk_2"/>
+          <p:cNvPicPr>
+            <a:picLocks noChangeAspect="1"/>
+          </p:cNvPicPr>
+          <p:nvPr/>
+        </p:nvPicPr>
+        <p:blipFill>
+          <a:blip r:embed="rId1"/>
+          <a:stretch>
+            <a:fillRect/>
+          </a:stretch>
+        </p:blipFill>
+        <p:spPr>
+          <a:xfrm>
+            <a:off x="184150" y="1708150"/>
+            <a:ext cx="523240" cy="563245"/>
+          </a:xfrm>
+          <a:prstGeom prst="rect">
+            <a:avLst/>
+          </a:prstGeom>
+        </p:spPr>
+      </p:pic>
+      <p:pic>
+        <p:nvPicPr>
+          <p:cNvPr id="5" name="图片 4" descr="Walk_2"/>
+          <p:cNvPicPr>
+            <a:picLocks noChangeAspect="1"/>
+          </p:cNvPicPr>
+          <p:nvPr/>
+        </p:nvPicPr>
+        <p:blipFill>
+          <a:blip r:embed="rId1"/>
+          <a:stretch>
+            <a:fillRect/>
+          </a:stretch>
+        </p:blipFill>
+        <p:spPr>
+          <a:xfrm>
+            <a:off x="8190865" y="1708150"/>
+            <a:ext cx="523240" cy="562610"/>
+          </a:xfrm>
+          <a:prstGeom prst="rect">
+            <a:avLst/>
+          </a:prstGeom>
+        </p:spPr>
+      </p:pic>
+      <p:pic>
+        <p:nvPicPr>
+          <p:cNvPr id="6" name="图片 5" descr="Walk_2"/>
+          <p:cNvPicPr>
+            <a:picLocks noChangeAspect="1"/>
+          </p:cNvPicPr>
+          <p:nvPr/>
+        </p:nvPicPr>
+        <p:blipFill>
+          <a:blip r:embed="rId1"/>
+          <a:stretch>
+            <a:fillRect/>
+          </a:stretch>
+        </p:blipFill>
+        <p:spPr>
+          <a:xfrm>
+            <a:off x="786765" y="1708150"/>
+            <a:ext cx="523240" cy="562610"/>
+          </a:xfrm>
+          <a:prstGeom prst="rect">
+            <a:avLst/>
+          </a:prstGeom>
+        </p:spPr>
+      </p:pic>
+      <p:pic>
+        <p:nvPicPr>
+          <p:cNvPr id="7" name="图片 6" descr="Walk_2"/>
+          <p:cNvPicPr>
+            <a:picLocks noChangeAspect="1"/>
+          </p:cNvPicPr>
+          <p:nvPr/>
+        </p:nvPicPr>
+        <p:blipFill>
+          <a:blip r:embed="rId1"/>
+          <a:stretch>
+            <a:fillRect/>
+          </a:stretch>
+        </p:blipFill>
+        <p:spPr>
+          <a:xfrm>
+            <a:off x="1963420" y="1708150"/>
+            <a:ext cx="523240" cy="562610"/>
+          </a:xfrm>
+          <a:prstGeom prst="rect">
+            <a:avLst/>
+          </a:prstGeom>
+        </p:spPr>
+      </p:pic>
+      <p:pic>
+        <p:nvPicPr>
+          <p:cNvPr id="8" name="图片 7" descr="Walk_2"/>
+          <p:cNvPicPr>
+            <a:picLocks noChangeAspect="1"/>
+          </p:cNvPicPr>
+          <p:nvPr/>
+        </p:nvPicPr>
+        <p:blipFill>
+          <a:blip r:embed="rId1"/>
+          <a:stretch>
+            <a:fillRect/>
+          </a:stretch>
+        </p:blipFill>
+        <p:spPr>
+          <a:xfrm>
+            <a:off x="5510530" y="1708785"/>
+            <a:ext cx="523240" cy="562610"/>
+          </a:xfrm>
+          <a:prstGeom prst="rect">
+            <a:avLst/>
+          </a:prstGeom>
+        </p:spPr>
+      </p:pic>
+      <p:pic>
+        <p:nvPicPr>
+          <p:cNvPr id="11" name="图片 10" descr="Walk_2"/>
+          <p:cNvPicPr>
+            <a:picLocks noChangeAspect="1"/>
+          </p:cNvPicPr>
+          <p:nvPr/>
+        </p:nvPicPr>
+        <p:blipFill>
+          <a:blip r:embed="rId1"/>
+          <a:stretch>
+            <a:fillRect/>
+          </a:stretch>
+        </p:blipFill>
+        <p:spPr>
+          <a:xfrm>
+            <a:off x="3498850" y="1708150"/>
+            <a:ext cx="523240" cy="562610"/>
+          </a:xfrm>
+          <a:prstGeom prst="rect">
+            <a:avLst/>
+          </a:prstGeom>
+        </p:spPr>
+      </p:pic>
+      <p:cxnSp>
+        <p:nvCxnSpPr>
+          <p:cNvPr id="12" name="直接箭头连接符 11"/>
+          <p:cNvCxnSpPr/>
+          <p:nvPr/>
+        </p:nvCxnSpPr>
+        <p:spPr>
+          <a:xfrm flipH="1">
+            <a:off x="395605" y="2037715"/>
+            <a:ext cx="5080" cy="742950"/>
+          </a:xfrm>
+          <a:prstGeom prst="straightConnector1">
+            <a:avLst/>
+          </a:prstGeom>
+          <a:ln>
+            <a:solidFill>
+              <a:srgbClr val="FF0000"/>
+            </a:solidFill>
+            <a:headEnd type="none"/>
+            <a:tailEnd type="none"/>
+          </a:ln>
+        </p:spPr>
+        <p:style>
+          <a:lnRef idx="1">
+            <a:schemeClr val="accent1"/>
+          </a:lnRef>
+          <a:fillRef idx="0">
+            <a:schemeClr val="accent1"/>
+          </a:fillRef>
+          <a:effectRef idx="0">
+            <a:schemeClr val="accent1"/>
+          </a:effectRef>
+          <a:fontRef idx="minor">
+            <a:schemeClr val="tx1"/>
+          </a:fontRef>
+        </p:style>
+      </p:cxnSp>
+      <p:cxnSp>
+        <p:nvCxnSpPr>
+          <p:cNvPr id="13" name="直接箭头连接符 12"/>
+          <p:cNvCxnSpPr/>
+          <p:nvPr/>
+        </p:nvCxnSpPr>
+        <p:spPr>
+          <a:xfrm flipH="1">
+            <a:off x="1058545" y="2037715"/>
+            <a:ext cx="5080" cy="742950"/>
+          </a:xfrm>
+          <a:prstGeom prst="straightConnector1">
+            <a:avLst/>
+          </a:prstGeom>
+          <a:ln>
+            <a:solidFill>
+              <a:srgbClr val="FF0000"/>
+            </a:solidFill>
+            <a:headEnd type="none"/>
+            <a:tailEnd type="none"/>
+          </a:ln>
+        </p:spPr>
+        <p:style>
+          <a:lnRef idx="1">
+            <a:schemeClr val="accent1"/>
+          </a:lnRef>
+          <a:fillRef idx="0">
+            <a:schemeClr val="accent1"/>
+          </a:fillRef>
+          <a:effectRef idx="0">
+            <a:schemeClr val="accent1"/>
+          </a:effectRef>
+          <a:fontRef idx="minor">
+            <a:schemeClr val="tx1"/>
+          </a:fontRef>
+        </p:style>
+      </p:cxnSp>
+      <p:cxnSp>
+        <p:nvCxnSpPr>
+          <p:cNvPr id="14" name="直接连接符 13"/>
+          <p:cNvCxnSpPr/>
+          <p:nvPr/>
+        </p:nvCxnSpPr>
+        <p:spPr>
+          <a:xfrm flipV="1">
+            <a:off x="392430" y="2636520"/>
+            <a:ext cx="648005" cy="5715"/>
+          </a:xfrm>
+          <a:prstGeom prst="line">
+            <a:avLst/>
+          </a:prstGeom>
+          <a:ln>
+            <a:solidFill>
+              <a:srgbClr val="FF0000"/>
+            </a:solidFill>
+            <a:headEnd type="triangle"/>
+            <a:tailEnd type="triangle"/>
+          </a:ln>
+        </p:spPr>
+        <p:style>
+          <a:lnRef idx="1">
+            <a:schemeClr val="accent1"/>
+          </a:lnRef>
+          <a:fillRef idx="0">
+            <a:schemeClr val="accent1"/>
+          </a:fillRef>
+          <a:effectRef idx="0">
+            <a:schemeClr val="accent1"/>
+          </a:effectRef>
+          <a:fontRef idx="minor">
+            <a:schemeClr val="tx1"/>
+          </a:fontRef>
+        </p:style>
+      </p:cxnSp>
+      <p:sp>
+        <p:nvSpPr>
+          <p:cNvPr id="15" name="文本框 14"/>
+          <p:cNvSpPr txBox="1"/>
+          <p:nvPr/>
+        </p:nvSpPr>
+        <p:spPr>
+          <a:xfrm>
+            <a:off x="306070" y="2694305"/>
+            <a:ext cx="752475" cy="368300"/>
+          </a:xfrm>
+          <a:prstGeom prst="rect">
+            <a:avLst/>
+          </a:prstGeom>
+          <a:noFill/>
+        </p:spPr>
+        <p:txBody>
+          <a:bodyPr wrap="square" rtlCol="0">
+            <a:spAutoFit/>
+          </a:bodyPr>
+          <a:p>
+            <a:r>
+              <a:rPr lang="en-US" altLang="zh-CN" i="1"/>
+              <a:t>   d</a:t>
+            </a:r>
+            <a:endParaRPr lang="en-US" altLang="zh-CN"/>
+          </a:p>
+        </p:txBody>
+      </p:sp>
+      <p:sp>
+        <p:nvSpPr>
+          <p:cNvPr id="16" name="左大括号 15"/>
+          <p:cNvSpPr/>
+          <p:nvPr/>
+        </p:nvSpPr>
+        <p:spPr>
+          <a:xfrm rot="5400000">
+            <a:off x="4218940" y="-2534920"/>
+            <a:ext cx="282575" cy="8053705"/>
+          </a:xfrm>
+          <a:prstGeom prst="leftBrace">
+            <a:avLst/>
+          </a:prstGeom>
+          <a:ln>
+            <a:solidFill>
+              <a:srgbClr val="FF0000"/>
+            </a:solidFill>
+          </a:ln>
+        </p:spPr>
+        <p:style>
+          <a:lnRef idx="1">
+            <a:schemeClr val="accent1"/>
+          </a:lnRef>
+          <a:fillRef idx="0">
+            <a:schemeClr val="accent1"/>
+          </a:fillRef>
+          <a:effectRef idx="0">
+            <a:schemeClr val="accent1"/>
+          </a:effectRef>
+          <a:fontRef idx="minor">
+            <a:schemeClr val="tx1"/>
+          </a:fontRef>
+        </p:style>
+        <p:txBody>
+          <a:bodyPr rtlCol="0" anchor="ctr"/>
+          <a:p>
+            <a:pPr algn="ctr"/>
+            <a:endParaRPr lang="zh-CN" altLang="en-US"/>
+          </a:p>
+        </p:txBody>
+      </p:sp>
+      <p:sp>
+        <p:nvSpPr>
+          <p:cNvPr id="17" name="文本框 16"/>
+          <p:cNvSpPr txBox="1"/>
+          <p:nvPr/>
+        </p:nvSpPr>
+        <p:spPr>
+          <a:xfrm>
+            <a:off x="4206240" y="982345"/>
+            <a:ext cx="438150" cy="368300"/>
+          </a:xfrm>
+          <a:prstGeom prst="rect">
+            <a:avLst/>
+          </a:prstGeom>
+          <a:noFill/>
+        </p:spPr>
+        <p:txBody>
+          <a:bodyPr wrap="square" rtlCol="0">
+            <a:spAutoFit/>
+          </a:bodyPr>
+          <a:p>
+            <a:r>
+              <a:rPr lang="en-US" altLang="zh-CN" i="1"/>
+              <a:t>n</a:t>
+            </a:r>
+            <a:endParaRPr lang="en-US" altLang="zh-CN"/>
+          </a:p>
+        </p:txBody>
+      </p:sp>
+      <p:sp>
+        <p:nvSpPr>
+          <p:cNvPr id="18" name="文本框 17"/>
+          <p:cNvSpPr txBox="1"/>
+          <p:nvPr/>
+        </p:nvSpPr>
+        <p:spPr>
+          <a:xfrm>
+            <a:off x="371475" y="3557905"/>
+            <a:ext cx="8401050" cy="1198880"/>
+          </a:xfrm>
+          <a:prstGeom prst="rect">
+            <a:avLst/>
+          </a:prstGeom>
+          <a:noFill/>
+        </p:spPr>
+        <p:txBody>
+          <a:bodyPr wrap="square" rtlCol="0">
+            <a:spAutoFit/>
+          </a:bodyPr>
+          <a:p>
+            <a:r>
+              <a:rPr lang="zh-CN" altLang="en-US"/>
+              <a:t>变量 </a:t>
+            </a:r>
+            <a:r>
+              <a:rPr lang="en-US" altLang="zh-CN" i="1"/>
+              <a:t>n</a:t>
+            </a:r>
+            <a:r>
+              <a:rPr lang="en-US" altLang="zh-CN"/>
+              <a:t> </a:t>
+            </a:r>
+            <a:r>
+              <a:rPr lang="zh-CN" altLang="en-US"/>
+              <a:t>是</a:t>
+            </a:r>
+            <a:r>
+              <a:rPr lang="en-US" altLang="zh-CN"/>
+              <a:t>number</a:t>
+            </a:r>
+            <a:r>
+              <a:rPr lang="zh-CN" altLang="en-US"/>
+              <a:t>（数字）的简写</a:t>
+            </a:r>
+            <a:r>
+              <a:rPr lang="en-US" altLang="zh-CN"/>
+              <a:t>, </a:t>
+            </a:r>
+            <a:r>
+              <a:rPr lang="zh-CN" altLang="en-US"/>
+              <a:t>这里表示有</a:t>
+            </a:r>
+            <a:r>
+              <a:rPr lang="en-US" altLang="zh-CN"/>
+              <a:t>n</a:t>
+            </a:r>
+            <a:r>
+              <a:rPr lang="zh-CN" altLang="en-US"/>
+              <a:t>个</a:t>
+            </a:r>
+            <a:r>
+              <a:rPr lang="en-US" altLang="zh-CN"/>
+              <a:t>Ninja;</a:t>
+            </a:r>
+            <a:endParaRPr lang="zh-CN" altLang="en-US"/>
+          </a:p>
+          <a:p>
+            <a:endParaRPr lang="zh-CN" altLang="en-US"/>
+          </a:p>
+          <a:p>
+            <a:r>
+              <a:rPr lang="zh-CN" altLang="en-US"/>
+              <a:t>变量 </a:t>
+            </a:r>
+            <a:r>
+              <a:rPr lang="en-US" altLang="zh-CN" i="1"/>
+              <a:t>d</a:t>
+            </a:r>
+            <a:r>
+              <a:rPr lang="en-US" altLang="zh-CN"/>
+              <a:t> </a:t>
+            </a:r>
+            <a:r>
+              <a:rPr lang="zh-CN" altLang="en-US"/>
+              <a:t>是</a:t>
+            </a:r>
+            <a:r>
+              <a:rPr lang="en-US" altLang="zh-CN"/>
+              <a:t>distance (</a:t>
+            </a:r>
+            <a:r>
+              <a:rPr lang="zh-CN" altLang="en-US"/>
+              <a:t>距离）的简写，两个</a:t>
+            </a:r>
+            <a:r>
+              <a:rPr lang="en-US" altLang="zh-CN"/>
+              <a:t>Ninja</a:t>
+            </a:r>
+            <a:r>
+              <a:rPr lang="zh-CN" altLang="en-US"/>
+              <a:t>之间的水平距离是</a:t>
+            </a:r>
+            <a:r>
+              <a:rPr lang="en-US" altLang="zh-CN"/>
+              <a:t>d</a:t>
+            </a:r>
+            <a:r>
+              <a:rPr lang="zh-CN" altLang="en-US"/>
+              <a:t>的倍数</a:t>
+            </a:r>
+            <a:r>
+              <a:rPr lang="zh-CN" altLang="en-US"/>
+              <a:t>；</a:t>
+            </a:r>
+            <a:endParaRPr lang="zh-CN" altLang="en-US"/>
+          </a:p>
+          <a:p>
+            <a:endParaRPr lang="zh-CN" altLang="en-US"/>
+          </a:p>
+        </p:txBody>
+      </p:sp>
+      <p:sp>
+        <p:nvSpPr>
+          <p:cNvPr id="19" name="文本框 18"/>
+          <p:cNvSpPr txBox="1"/>
+          <p:nvPr/>
+        </p:nvSpPr>
+        <p:spPr>
+          <a:xfrm>
+            <a:off x="2232660" y="232410"/>
+            <a:ext cx="4384675" cy="460375"/>
+          </a:xfrm>
+          <a:prstGeom prst="rect">
+            <a:avLst/>
+          </a:prstGeom>
+          <a:noFill/>
+        </p:spPr>
+        <p:txBody>
+          <a:bodyPr wrap="square" rtlCol="0">
+            <a:spAutoFit/>
+          </a:bodyPr>
+          <a:p>
+            <a:r>
+              <a:rPr lang="en-US" altLang="zh-CN" sz="2400" b="1"/>
+              <a:t>Job 5: </a:t>
+            </a:r>
+            <a:r>
+              <a:rPr lang="zh-CN" altLang="en-US" sz="2400" b="1"/>
+              <a:t>又是</a:t>
+            </a:r>
+            <a:r>
+              <a:rPr lang="zh-CN" altLang="en-US" sz="2400" b="1"/>
+              <a:t>好多</a:t>
+            </a:r>
+            <a:r>
+              <a:rPr lang="en-US" altLang="zh-CN" sz="2400" b="1"/>
+              <a:t>Ninja</a:t>
+            </a:r>
+            <a:r>
+              <a:rPr lang="zh-CN" altLang="en-US" sz="2400" b="1"/>
+              <a:t>在一行！</a:t>
+            </a:r>
+            <a:endParaRPr lang="zh-CN" altLang="en-US" sz="2400" b="1"/>
+          </a:p>
+        </p:txBody>
+      </p:sp>
+      <p:sp>
+        <p:nvSpPr>
+          <p:cNvPr id="194" name=" 194"/>
+          <p:cNvSpPr/>
+          <p:nvPr/>
+        </p:nvSpPr>
+        <p:spPr>
+          <a:xfrm>
+            <a:off x="4551680" y="2037715"/>
+            <a:ext cx="75565" cy="75565"/>
+          </a:xfrm>
+          <a:prstGeom prst="octagon">
+            <a:avLst/>
+          </a:prstGeom>
+          <a:solidFill>
+            <a:schemeClr val="tx1"/>
+          </a:solidFill>
+          <a:ln>
+            <a:noFill/>
+          </a:ln>
+        </p:spPr>
+        <p:style>
+          <a:lnRef idx="2">
+            <a:schemeClr val="accent1">
+              <a:shade val="50000"/>
+            </a:schemeClr>
+          </a:lnRef>
+          <a:fillRef idx="1">
+            <a:schemeClr val="accent1"/>
+          </a:fillRef>
+          <a:effectRef idx="0">
+            <a:schemeClr val="accent1"/>
+          </a:effectRef>
+          <a:fontRef idx="minor">
+            <a:schemeClr val="lt1"/>
+          </a:fontRef>
+        </p:style>
+        <p:txBody>
+          <a:bodyPr anchor="ctr">
+            <a:scene3d>
+              <a:camera prst="orthographicFront"/>
+              <a:lightRig rig="threePt" dir="t"/>
+            </a:scene3d>
+            <a:sp3d>
+              <a:contourClr>
+                <a:srgbClr val="FFFFFF"/>
+              </a:contourClr>
+            </a:sp3d>
+          </a:bodyPr>
+          <a:lstStyle>
+            <a:defPPr>
+              <a:defRPr lang="zh-CN"/>
+            </a:defPPr>
+            <a:lvl1pPr algn="l" rtl="0" eaLnBrk="0" fontAlgn="base" hangingPunct="0">
+              <a:spcBef>
+                <a:spcPct val="0"/>
+              </a:spcBef>
+              <a:spcAft>
+                <a:spcPct val="0"/>
+              </a:spcAft>
+              <a:defRPr kern="1200">
+                <a:solidFill>
+                  <a:schemeClr val="lt1"/>
+                </a:solidFill>
+                <a:latin typeface="+mn-lt"/>
+                <a:ea typeface="+mn-ea"/>
+                <a:cs typeface="+mn-cs"/>
+              </a:defRPr>
+            </a:lvl1pPr>
+            <a:lvl2pPr marL="457200" algn="l" rtl="0" eaLnBrk="0" fontAlgn="base" hangingPunct="0">
+              <a:spcBef>
+                <a:spcPct val="0"/>
+              </a:spcBef>
+              <a:spcAft>
+                <a:spcPct val="0"/>
+              </a:spcAft>
+              <a:defRPr kern="1200">
+                <a:solidFill>
+                  <a:schemeClr val="lt1"/>
+                </a:solidFill>
+                <a:latin typeface="+mn-lt"/>
+                <a:ea typeface="+mn-ea"/>
+                <a:cs typeface="+mn-cs"/>
+              </a:defRPr>
+            </a:lvl2pPr>
+            <a:lvl3pPr marL="914400" algn="l" rtl="0" eaLnBrk="0" fontAlgn="base" hangingPunct="0">
+              <a:spcBef>
+                <a:spcPct val="0"/>
+              </a:spcBef>
+              <a:spcAft>
+                <a:spcPct val="0"/>
+              </a:spcAft>
+              <a:defRPr kern="1200">
+                <a:solidFill>
+                  <a:schemeClr val="lt1"/>
+                </a:solidFill>
+                <a:latin typeface="+mn-lt"/>
+                <a:ea typeface="+mn-ea"/>
+                <a:cs typeface="+mn-cs"/>
+              </a:defRPr>
+            </a:lvl3pPr>
+            <a:lvl4pPr marL="1371600" algn="l" rtl="0" eaLnBrk="0" fontAlgn="base" hangingPunct="0">
+              <a:spcBef>
+                <a:spcPct val="0"/>
+              </a:spcBef>
+              <a:spcAft>
+                <a:spcPct val="0"/>
+              </a:spcAft>
+              <a:defRPr kern="1200">
+                <a:solidFill>
+                  <a:schemeClr val="lt1"/>
+                </a:solidFill>
+                <a:latin typeface="+mn-lt"/>
+                <a:ea typeface="+mn-ea"/>
+                <a:cs typeface="+mn-cs"/>
+              </a:defRPr>
+            </a:lvl4pPr>
+            <a:lvl5pPr marL="1828800" algn="l" rtl="0" eaLnBrk="0" fontAlgn="base" hangingPunct="0">
+              <a:spcBef>
+                <a:spcPct val="0"/>
+              </a:spcBef>
+              <a:spcAft>
+                <a:spcPct val="0"/>
+              </a:spcAft>
+              <a:defRPr kern="1200">
+                <a:solidFill>
+                  <a:schemeClr val="lt1"/>
+                </a:solidFill>
+                <a:latin typeface="+mn-lt"/>
+                <a:ea typeface="+mn-ea"/>
+                <a:cs typeface="+mn-cs"/>
+              </a:defRPr>
+            </a:lvl5pPr>
+            <a:lvl6pPr marL="2286000" algn="l" defTabSz="914400" rtl="0" eaLnBrk="1" latinLnBrk="0" hangingPunct="1">
+              <a:defRPr kern="1200">
+                <a:solidFill>
+                  <a:schemeClr val="lt1"/>
+                </a:solidFill>
+                <a:latin typeface="+mn-lt"/>
+                <a:ea typeface="+mn-ea"/>
+                <a:cs typeface="+mn-cs"/>
+              </a:defRPr>
+            </a:lvl6pPr>
+            <a:lvl7pPr marL="2743200" algn="l" defTabSz="914400" rtl="0" eaLnBrk="1" latinLnBrk="0" hangingPunct="1">
+              <a:defRPr kern="1200">
+                <a:solidFill>
+                  <a:schemeClr val="lt1"/>
+                </a:solidFill>
+                <a:latin typeface="+mn-lt"/>
+                <a:ea typeface="+mn-ea"/>
+                <a:cs typeface="+mn-cs"/>
+              </a:defRPr>
+            </a:lvl7pPr>
+            <a:lvl8pPr marL="3200400" algn="l" defTabSz="914400" rtl="0" eaLnBrk="1" latinLnBrk="0" hangingPunct="1">
+              <a:defRPr kern="1200">
+                <a:solidFill>
+                  <a:schemeClr val="lt1"/>
+                </a:solidFill>
+                <a:latin typeface="+mn-lt"/>
+                <a:ea typeface="+mn-ea"/>
+                <a:cs typeface="+mn-cs"/>
+              </a:defRPr>
+            </a:lvl8pPr>
+            <a:lvl9pPr marL="3657600" algn="l" defTabSz="914400" rtl="0" eaLnBrk="1" latinLnBrk="0" hangingPunct="1">
+              <a:defRPr kern="1200">
+                <a:solidFill>
+                  <a:schemeClr val="lt1"/>
+                </a:solidFill>
+                <a:latin typeface="+mn-lt"/>
+                <a:ea typeface="+mn-ea"/>
+                <a:cs typeface="+mn-cs"/>
+              </a:defRPr>
+            </a:lvl9pPr>
+          </a:lstStyle>
+          <a:p>
+            <a:pPr algn="ctr" eaLnBrk="1" fontAlgn="auto" hangingPunct="1">
+              <a:spcBef>
+                <a:spcPts val="0"/>
+              </a:spcBef>
+              <a:spcAft>
+                <a:spcPts val="0"/>
+              </a:spcAft>
+              <a:defRPr/>
+            </a:pPr>
+            <a:endParaRPr lang="zh-CN" altLang="en-US">
+              <a:solidFill>
+                <a:srgbClr val="FFFFFF"/>
+              </a:solidFill>
+            </a:endParaRPr>
+          </a:p>
+        </p:txBody>
+      </p:sp>
+      <p:sp>
+        <p:nvSpPr>
+          <p:cNvPr id="20" name=" 194"/>
+          <p:cNvSpPr/>
+          <p:nvPr/>
+        </p:nvSpPr>
+        <p:spPr>
+          <a:xfrm>
+            <a:off x="4893310" y="2037715"/>
+            <a:ext cx="75565" cy="75565"/>
+          </a:xfrm>
+          <a:prstGeom prst="octagon">
+            <a:avLst/>
+          </a:prstGeom>
+          <a:solidFill>
+            <a:schemeClr val="tx1"/>
+          </a:solidFill>
+          <a:ln>
+            <a:noFill/>
+          </a:ln>
+        </p:spPr>
+        <p:style>
+          <a:lnRef idx="2">
+            <a:schemeClr val="accent1">
+              <a:shade val="50000"/>
+            </a:schemeClr>
+          </a:lnRef>
+          <a:fillRef idx="1">
+            <a:schemeClr val="accent1"/>
+          </a:fillRef>
+          <a:effectRef idx="0">
+            <a:schemeClr val="accent1"/>
+          </a:effectRef>
+          <a:fontRef idx="minor">
+            <a:schemeClr val="lt1"/>
+          </a:fontRef>
+        </p:style>
+        <p:txBody>
+          <a:bodyPr anchor="ctr">
+            <a:scene3d>
+              <a:camera prst="orthographicFront"/>
+              <a:lightRig rig="threePt" dir="t"/>
+            </a:scene3d>
+            <a:sp3d>
+              <a:contourClr>
+                <a:srgbClr val="FFFFFF"/>
+              </a:contourClr>
+            </a:sp3d>
+          </a:bodyPr>
+          <a:lstStyle>
+            <a:defPPr>
+              <a:defRPr lang="zh-CN"/>
+            </a:defPPr>
+            <a:lvl1pPr algn="l" rtl="0" eaLnBrk="0" fontAlgn="base" hangingPunct="0">
+              <a:spcBef>
+                <a:spcPct val="0"/>
+              </a:spcBef>
+              <a:spcAft>
+                <a:spcPct val="0"/>
+              </a:spcAft>
+              <a:defRPr kern="1200">
+                <a:solidFill>
+                  <a:schemeClr val="lt1"/>
+                </a:solidFill>
+                <a:latin typeface="+mn-lt"/>
+                <a:ea typeface="+mn-ea"/>
+                <a:cs typeface="+mn-cs"/>
+              </a:defRPr>
+            </a:lvl1pPr>
+            <a:lvl2pPr marL="457200" algn="l" rtl="0" eaLnBrk="0" fontAlgn="base" hangingPunct="0">
+              <a:spcBef>
+                <a:spcPct val="0"/>
+              </a:spcBef>
+              <a:spcAft>
+                <a:spcPct val="0"/>
+              </a:spcAft>
+              <a:defRPr kern="1200">
+                <a:solidFill>
+                  <a:schemeClr val="lt1"/>
+                </a:solidFill>
+                <a:latin typeface="+mn-lt"/>
+                <a:ea typeface="+mn-ea"/>
+                <a:cs typeface="+mn-cs"/>
+              </a:defRPr>
+            </a:lvl2pPr>
+            <a:lvl3pPr marL="914400" algn="l" rtl="0" eaLnBrk="0" fontAlgn="base" hangingPunct="0">
+              <a:spcBef>
+                <a:spcPct val="0"/>
+              </a:spcBef>
+              <a:spcAft>
+                <a:spcPct val="0"/>
+              </a:spcAft>
+              <a:defRPr kern="1200">
+                <a:solidFill>
+                  <a:schemeClr val="lt1"/>
+                </a:solidFill>
+                <a:latin typeface="+mn-lt"/>
+                <a:ea typeface="+mn-ea"/>
+                <a:cs typeface="+mn-cs"/>
+              </a:defRPr>
+            </a:lvl3pPr>
+            <a:lvl4pPr marL="1371600" algn="l" rtl="0" eaLnBrk="0" fontAlgn="base" hangingPunct="0">
+              <a:spcBef>
+                <a:spcPct val="0"/>
+              </a:spcBef>
+              <a:spcAft>
+                <a:spcPct val="0"/>
+              </a:spcAft>
+              <a:defRPr kern="1200">
+                <a:solidFill>
+                  <a:schemeClr val="lt1"/>
+                </a:solidFill>
+                <a:latin typeface="+mn-lt"/>
+                <a:ea typeface="+mn-ea"/>
+                <a:cs typeface="+mn-cs"/>
+              </a:defRPr>
+            </a:lvl4pPr>
+            <a:lvl5pPr marL="1828800" algn="l" rtl="0" eaLnBrk="0" fontAlgn="base" hangingPunct="0">
+              <a:spcBef>
+                <a:spcPct val="0"/>
+              </a:spcBef>
+              <a:spcAft>
+                <a:spcPct val="0"/>
+              </a:spcAft>
+              <a:defRPr kern="1200">
+                <a:solidFill>
+                  <a:schemeClr val="lt1"/>
+                </a:solidFill>
+                <a:latin typeface="+mn-lt"/>
+                <a:ea typeface="+mn-ea"/>
+                <a:cs typeface="+mn-cs"/>
+              </a:defRPr>
+            </a:lvl5pPr>
+            <a:lvl6pPr marL="2286000" algn="l" defTabSz="914400" rtl="0" eaLnBrk="1" latinLnBrk="0" hangingPunct="1">
+              <a:defRPr kern="1200">
+                <a:solidFill>
+                  <a:schemeClr val="lt1"/>
+                </a:solidFill>
+                <a:latin typeface="+mn-lt"/>
+                <a:ea typeface="+mn-ea"/>
+                <a:cs typeface="+mn-cs"/>
+              </a:defRPr>
+            </a:lvl6pPr>
+            <a:lvl7pPr marL="2743200" algn="l" defTabSz="914400" rtl="0" eaLnBrk="1" latinLnBrk="0" hangingPunct="1">
+              <a:defRPr kern="1200">
+                <a:solidFill>
+                  <a:schemeClr val="lt1"/>
+                </a:solidFill>
+                <a:latin typeface="+mn-lt"/>
+                <a:ea typeface="+mn-ea"/>
+                <a:cs typeface="+mn-cs"/>
+              </a:defRPr>
+            </a:lvl7pPr>
+            <a:lvl8pPr marL="3200400" algn="l" defTabSz="914400" rtl="0" eaLnBrk="1" latinLnBrk="0" hangingPunct="1">
+              <a:defRPr kern="1200">
+                <a:solidFill>
+                  <a:schemeClr val="lt1"/>
+                </a:solidFill>
+                <a:latin typeface="+mn-lt"/>
+                <a:ea typeface="+mn-ea"/>
+                <a:cs typeface="+mn-cs"/>
+              </a:defRPr>
+            </a:lvl8pPr>
+            <a:lvl9pPr marL="3657600" algn="l" defTabSz="914400" rtl="0" eaLnBrk="1" latinLnBrk="0" hangingPunct="1">
+              <a:defRPr kern="1200">
+                <a:solidFill>
+                  <a:schemeClr val="lt1"/>
+                </a:solidFill>
+                <a:latin typeface="+mn-lt"/>
+                <a:ea typeface="+mn-ea"/>
+                <a:cs typeface="+mn-cs"/>
+              </a:defRPr>
+            </a:lvl9pPr>
+          </a:lstStyle>
+          <a:p>
+            <a:pPr algn="ctr" eaLnBrk="1" fontAlgn="auto" hangingPunct="1">
+              <a:spcBef>
+                <a:spcPts val="0"/>
+              </a:spcBef>
+              <a:spcAft>
+                <a:spcPts val="0"/>
+              </a:spcAft>
+              <a:defRPr/>
+            </a:pPr>
+            <a:endParaRPr lang="zh-CN" altLang="en-US">
+              <a:solidFill>
+                <a:srgbClr val="FFFFFF"/>
+              </a:solidFill>
+            </a:endParaRPr>
+          </a:p>
+        </p:txBody>
+      </p:sp>
+      <p:sp>
+        <p:nvSpPr>
+          <p:cNvPr id="21" name=" 194"/>
+          <p:cNvSpPr/>
+          <p:nvPr/>
+        </p:nvSpPr>
+        <p:spPr>
+          <a:xfrm>
+            <a:off x="5234940" y="2037715"/>
+            <a:ext cx="75565" cy="75565"/>
+          </a:xfrm>
+          <a:prstGeom prst="octagon">
+            <a:avLst/>
+          </a:prstGeom>
+          <a:solidFill>
+            <a:schemeClr val="tx1"/>
+          </a:solidFill>
+          <a:ln>
+            <a:noFill/>
+          </a:ln>
+        </p:spPr>
+        <p:style>
+          <a:lnRef idx="2">
+            <a:schemeClr val="accent1">
+              <a:shade val="50000"/>
+            </a:schemeClr>
+          </a:lnRef>
+          <a:fillRef idx="1">
+            <a:schemeClr val="accent1"/>
+          </a:fillRef>
+          <a:effectRef idx="0">
+            <a:schemeClr val="accent1"/>
+          </a:effectRef>
+          <a:fontRef idx="minor">
+            <a:schemeClr val="lt1"/>
+          </a:fontRef>
+        </p:style>
+        <p:txBody>
+          <a:bodyPr anchor="ctr">
+            <a:scene3d>
+              <a:camera prst="orthographicFront"/>
+              <a:lightRig rig="threePt" dir="t"/>
+            </a:scene3d>
+            <a:sp3d>
+              <a:contourClr>
+                <a:srgbClr val="FFFFFF"/>
+              </a:contourClr>
+            </a:sp3d>
+          </a:bodyPr>
+          <a:lstStyle>
+            <a:defPPr>
+              <a:defRPr lang="zh-CN"/>
+            </a:defPPr>
+            <a:lvl1pPr algn="l" rtl="0" eaLnBrk="0" fontAlgn="base" hangingPunct="0">
+              <a:spcBef>
+                <a:spcPct val="0"/>
+              </a:spcBef>
+              <a:spcAft>
+                <a:spcPct val="0"/>
+              </a:spcAft>
+              <a:defRPr kern="1200">
+                <a:solidFill>
+                  <a:schemeClr val="lt1"/>
+                </a:solidFill>
+                <a:latin typeface="+mn-lt"/>
+                <a:ea typeface="+mn-ea"/>
+                <a:cs typeface="+mn-cs"/>
+              </a:defRPr>
+            </a:lvl1pPr>
+            <a:lvl2pPr marL="457200" algn="l" rtl="0" eaLnBrk="0" fontAlgn="base" hangingPunct="0">
+              <a:spcBef>
+                <a:spcPct val="0"/>
+              </a:spcBef>
+              <a:spcAft>
+                <a:spcPct val="0"/>
+              </a:spcAft>
+              <a:defRPr kern="1200">
+                <a:solidFill>
+                  <a:schemeClr val="lt1"/>
+                </a:solidFill>
+                <a:latin typeface="+mn-lt"/>
+                <a:ea typeface="+mn-ea"/>
+                <a:cs typeface="+mn-cs"/>
+              </a:defRPr>
+            </a:lvl2pPr>
+            <a:lvl3pPr marL="914400" algn="l" rtl="0" eaLnBrk="0" fontAlgn="base" hangingPunct="0">
+              <a:spcBef>
+                <a:spcPct val="0"/>
+              </a:spcBef>
+              <a:spcAft>
+                <a:spcPct val="0"/>
+              </a:spcAft>
+              <a:defRPr kern="1200">
+                <a:solidFill>
+                  <a:schemeClr val="lt1"/>
+                </a:solidFill>
+                <a:latin typeface="+mn-lt"/>
+                <a:ea typeface="+mn-ea"/>
+                <a:cs typeface="+mn-cs"/>
+              </a:defRPr>
+            </a:lvl3pPr>
+            <a:lvl4pPr marL="1371600" algn="l" rtl="0" eaLnBrk="0" fontAlgn="base" hangingPunct="0">
+              <a:spcBef>
+                <a:spcPct val="0"/>
+              </a:spcBef>
+              <a:spcAft>
+                <a:spcPct val="0"/>
+              </a:spcAft>
+              <a:defRPr kern="1200">
+                <a:solidFill>
+                  <a:schemeClr val="lt1"/>
+                </a:solidFill>
+                <a:latin typeface="+mn-lt"/>
+                <a:ea typeface="+mn-ea"/>
+                <a:cs typeface="+mn-cs"/>
+              </a:defRPr>
+            </a:lvl4pPr>
+            <a:lvl5pPr marL="1828800" algn="l" rtl="0" eaLnBrk="0" fontAlgn="base" hangingPunct="0">
+              <a:spcBef>
+                <a:spcPct val="0"/>
+              </a:spcBef>
+              <a:spcAft>
+                <a:spcPct val="0"/>
+              </a:spcAft>
+              <a:defRPr kern="1200">
+                <a:solidFill>
+                  <a:schemeClr val="lt1"/>
+                </a:solidFill>
+                <a:latin typeface="+mn-lt"/>
+                <a:ea typeface="+mn-ea"/>
+                <a:cs typeface="+mn-cs"/>
+              </a:defRPr>
+            </a:lvl5pPr>
+            <a:lvl6pPr marL="2286000" algn="l" defTabSz="914400" rtl="0" eaLnBrk="1" latinLnBrk="0" hangingPunct="1">
+              <a:defRPr kern="1200">
+                <a:solidFill>
+                  <a:schemeClr val="lt1"/>
+                </a:solidFill>
+                <a:latin typeface="+mn-lt"/>
+                <a:ea typeface="+mn-ea"/>
+                <a:cs typeface="+mn-cs"/>
+              </a:defRPr>
+            </a:lvl6pPr>
+            <a:lvl7pPr marL="2743200" algn="l" defTabSz="914400" rtl="0" eaLnBrk="1" latinLnBrk="0" hangingPunct="1">
+              <a:defRPr kern="1200">
+                <a:solidFill>
+                  <a:schemeClr val="lt1"/>
+                </a:solidFill>
+                <a:latin typeface="+mn-lt"/>
+                <a:ea typeface="+mn-ea"/>
+                <a:cs typeface="+mn-cs"/>
+              </a:defRPr>
+            </a:lvl7pPr>
+            <a:lvl8pPr marL="3200400" algn="l" defTabSz="914400" rtl="0" eaLnBrk="1" latinLnBrk="0" hangingPunct="1">
+              <a:defRPr kern="1200">
+                <a:solidFill>
+                  <a:schemeClr val="lt1"/>
+                </a:solidFill>
+                <a:latin typeface="+mn-lt"/>
+                <a:ea typeface="+mn-ea"/>
+                <a:cs typeface="+mn-cs"/>
+              </a:defRPr>
+            </a:lvl8pPr>
+            <a:lvl9pPr marL="3657600" algn="l" defTabSz="914400" rtl="0" eaLnBrk="1" latinLnBrk="0" hangingPunct="1">
+              <a:defRPr kern="1200">
+                <a:solidFill>
+                  <a:schemeClr val="lt1"/>
+                </a:solidFill>
+                <a:latin typeface="+mn-lt"/>
+                <a:ea typeface="+mn-ea"/>
+                <a:cs typeface="+mn-cs"/>
+              </a:defRPr>
+            </a:lvl9pPr>
+          </a:lstStyle>
+          <a:p>
+            <a:pPr algn="ctr" eaLnBrk="1" fontAlgn="auto" hangingPunct="1">
+              <a:spcBef>
+                <a:spcPts val="0"/>
+              </a:spcBef>
+              <a:spcAft>
+                <a:spcPts val="0"/>
+              </a:spcAft>
+              <a:defRPr/>
+            </a:pPr>
+            <a:endParaRPr lang="zh-CN" altLang="en-US">
+              <a:solidFill>
+                <a:srgbClr val="FFFFFF"/>
+              </a:solidFill>
+            </a:endParaRPr>
+          </a:p>
+        </p:txBody>
+      </p:sp>
+      <p:cxnSp>
+        <p:nvCxnSpPr>
+          <p:cNvPr id="22" name="直接箭头连接符 21"/>
+          <p:cNvCxnSpPr/>
+          <p:nvPr/>
+        </p:nvCxnSpPr>
+        <p:spPr>
+          <a:xfrm flipH="1">
+            <a:off x="2118360" y="2021205"/>
+            <a:ext cx="5080" cy="742950"/>
+          </a:xfrm>
+          <a:prstGeom prst="straightConnector1">
+            <a:avLst/>
+          </a:prstGeom>
+          <a:ln>
+            <a:solidFill>
+              <a:srgbClr val="FF0000"/>
+            </a:solidFill>
+            <a:headEnd type="none"/>
+            <a:tailEnd type="none"/>
+          </a:ln>
+        </p:spPr>
+        <p:style>
+          <a:lnRef idx="1">
+            <a:schemeClr val="accent1"/>
+          </a:lnRef>
+          <a:fillRef idx="0">
+            <a:schemeClr val="accent1"/>
+          </a:fillRef>
+          <a:effectRef idx="0">
+            <a:schemeClr val="accent1"/>
+          </a:effectRef>
+          <a:fontRef idx="minor">
+            <a:schemeClr val="tx1"/>
+          </a:fontRef>
+        </p:style>
+      </p:cxnSp>
+      <p:cxnSp>
+        <p:nvCxnSpPr>
+          <p:cNvPr id="23" name="直接连接符 22"/>
+          <p:cNvCxnSpPr/>
+          <p:nvPr/>
+        </p:nvCxnSpPr>
+        <p:spPr>
+          <a:xfrm flipV="1">
+            <a:off x="1040130" y="2636520"/>
+            <a:ext cx="1116008" cy="5715"/>
+          </a:xfrm>
+          <a:prstGeom prst="line">
+            <a:avLst/>
+          </a:prstGeom>
+          <a:ln>
+            <a:solidFill>
+              <a:srgbClr val="FF0000"/>
+            </a:solidFill>
+            <a:headEnd type="triangle"/>
+            <a:tailEnd type="triangle"/>
+          </a:ln>
+        </p:spPr>
+        <p:style>
+          <a:lnRef idx="1">
+            <a:schemeClr val="accent1"/>
+          </a:lnRef>
+          <a:fillRef idx="0">
+            <a:schemeClr val="accent1"/>
+          </a:fillRef>
+          <a:effectRef idx="0">
+            <a:schemeClr val="accent1"/>
+          </a:effectRef>
+          <a:fontRef idx="minor">
+            <a:schemeClr val="tx1"/>
+          </a:fontRef>
+        </p:style>
+      </p:cxnSp>
+      <p:cxnSp>
+        <p:nvCxnSpPr>
+          <p:cNvPr id="25" name="直接箭头连接符 24"/>
+          <p:cNvCxnSpPr/>
+          <p:nvPr/>
+        </p:nvCxnSpPr>
+        <p:spPr>
+          <a:xfrm flipH="1">
+            <a:off x="3716020" y="2012950"/>
+            <a:ext cx="5080" cy="742950"/>
+          </a:xfrm>
+          <a:prstGeom prst="straightConnector1">
+            <a:avLst/>
+          </a:prstGeom>
+          <a:ln>
+            <a:solidFill>
+              <a:srgbClr val="FF0000"/>
+            </a:solidFill>
+            <a:headEnd type="none"/>
+            <a:tailEnd type="none"/>
+          </a:ln>
+        </p:spPr>
+        <p:style>
+          <a:lnRef idx="1">
+            <a:schemeClr val="accent1"/>
+          </a:lnRef>
+          <a:fillRef idx="0">
+            <a:schemeClr val="accent1"/>
+          </a:fillRef>
+          <a:effectRef idx="0">
+            <a:schemeClr val="accent1"/>
+          </a:effectRef>
+          <a:fontRef idx="minor">
+            <a:schemeClr val="tx1"/>
+          </a:fontRef>
+        </p:style>
+      </p:cxnSp>
+      <p:cxnSp>
+        <p:nvCxnSpPr>
+          <p:cNvPr id="26" name="直接连接符 25"/>
+          <p:cNvCxnSpPr/>
+          <p:nvPr/>
+        </p:nvCxnSpPr>
+        <p:spPr>
+          <a:xfrm flipV="1">
+            <a:off x="2118360" y="2642235"/>
+            <a:ext cx="1620012" cy="5715"/>
+          </a:xfrm>
+          <a:prstGeom prst="line">
+            <a:avLst/>
+          </a:prstGeom>
+          <a:ln>
+            <a:solidFill>
+              <a:srgbClr val="FF0000"/>
+            </a:solidFill>
+            <a:headEnd type="triangle"/>
+            <a:tailEnd type="triangle"/>
+          </a:ln>
+        </p:spPr>
+        <p:style>
+          <a:lnRef idx="1">
+            <a:schemeClr val="accent1"/>
+          </a:lnRef>
+          <a:fillRef idx="0">
+            <a:schemeClr val="accent1"/>
+          </a:fillRef>
+          <a:effectRef idx="0">
+            <a:schemeClr val="accent1"/>
+          </a:effectRef>
+          <a:fontRef idx="minor">
+            <a:schemeClr val="tx1"/>
+          </a:fontRef>
+        </p:style>
+      </p:cxnSp>
+      <p:cxnSp>
+        <p:nvCxnSpPr>
+          <p:cNvPr id="27" name="直接箭头连接符 26"/>
+          <p:cNvCxnSpPr/>
+          <p:nvPr/>
+        </p:nvCxnSpPr>
+        <p:spPr>
+          <a:xfrm flipH="1">
+            <a:off x="5688965" y="1949450"/>
+            <a:ext cx="5080" cy="742950"/>
+          </a:xfrm>
+          <a:prstGeom prst="straightConnector1">
+            <a:avLst/>
+          </a:prstGeom>
+          <a:ln>
+            <a:solidFill>
+              <a:srgbClr val="FF0000"/>
+            </a:solidFill>
+            <a:headEnd type="none"/>
+            <a:tailEnd type="none"/>
+          </a:ln>
+        </p:spPr>
+        <p:style>
+          <a:lnRef idx="1">
+            <a:schemeClr val="accent1"/>
+          </a:lnRef>
+          <a:fillRef idx="0">
+            <a:schemeClr val="accent1"/>
+          </a:fillRef>
+          <a:effectRef idx="0">
+            <a:schemeClr val="accent1"/>
+          </a:effectRef>
+          <a:fontRef idx="minor">
+            <a:schemeClr val="tx1"/>
+          </a:fontRef>
+        </p:style>
+      </p:cxnSp>
+      <p:cxnSp>
+        <p:nvCxnSpPr>
+          <p:cNvPr id="28" name="直接箭头连接符 27"/>
+          <p:cNvCxnSpPr/>
+          <p:nvPr/>
+        </p:nvCxnSpPr>
+        <p:spPr>
+          <a:xfrm flipH="1">
+            <a:off x="8361045" y="1949450"/>
+            <a:ext cx="5080" cy="742950"/>
+          </a:xfrm>
+          <a:prstGeom prst="straightConnector1">
+            <a:avLst/>
+          </a:prstGeom>
+          <a:ln>
+            <a:solidFill>
+              <a:srgbClr val="FF0000"/>
+            </a:solidFill>
+            <a:headEnd type="none"/>
+            <a:tailEnd type="none"/>
+          </a:ln>
+        </p:spPr>
+        <p:style>
+          <a:lnRef idx="1">
+            <a:schemeClr val="accent1"/>
+          </a:lnRef>
+          <a:fillRef idx="0">
+            <a:schemeClr val="accent1"/>
+          </a:fillRef>
+          <a:effectRef idx="0">
+            <a:schemeClr val="accent1"/>
+          </a:effectRef>
+          <a:fontRef idx="minor">
+            <a:schemeClr val="tx1"/>
+          </a:fontRef>
+        </p:style>
+      </p:cxnSp>
+      <p:cxnSp>
+        <p:nvCxnSpPr>
+          <p:cNvPr id="29" name="直接连接符 28"/>
+          <p:cNvCxnSpPr/>
+          <p:nvPr/>
+        </p:nvCxnSpPr>
+        <p:spPr>
+          <a:xfrm flipV="1">
+            <a:off x="5685790" y="2548255"/>
+            <a:ext cx="2700020" cy="5715"/>
+          </a:xfrm>
+          <a:prstGeom prst="line">
+            <a:avLst/>
+          </a:prstGeom>
+          <a:ln>
+            <a:solidFill>
+              <a:srgbClr val="FF0000"/>
+            </a:solidFill>
+            <a:headEnd type="triangle"/>
+            <a:tailEnd type="triangle"/>
+          </a:ln>
+        </p:spPr>
+        <p:style>
+          <a:lnRef idx="1">
+            <a:schemeClr val="accent1"/>
+          </a:lnRef>
+          <a:fillRef idx="0">
+            <a:schemeClr val="accent1"/>
+          </a:fillRef>
+          <a:effectRef idx="0">
+            <a:schemeClr val="accent1"/>
+          </a:effectRef>
+          <a:fontRef idx="minor">
+            <a:schemeClr val="tx1"/>
+          </a:fontRef>
+        </p:style>
+      </p:cxnSp>
+      <p:sp>
+        <p:nvSpPr>
+          <p:cNvPr id="30" name="文本框 29"/>
+          <p:cNvSpPr txBox="1"/>
+          <p:nvPr/>
+        </p:nvSpPr>
+        <p:spPr>
+          <a:xfrm>
+            <a:off x="1150620" y="2677795"/>
+            <a:ext cx="752475" cy="368300"/>
+          </a:xfrm>
+          <a:prstGeom prst="rect">
+            <a:avLst/>
+          </a:prstGeom>
+          <a:noFill/>
+        </p:spPr>
+        <p:txBody>
+          <a:bodyPr wrap="square" rtlCol="0">
+            <a:spAutoFit/>
+          </a:bodyPr>
+          <a:p>
+            <a:r>
+              <a:rPr lang="en-US" altLang="zh-CN" i="1"/>
+              <a:t>   2*d</a:t>
+            </a:r>
+            <a:endParaRPr lang="en-US" altLang="zh-CN"/>
+          </a:p>
+        </p:txBody>
+      </p:sp>
+      <p:sp>
+        <p:nvSpPr>
+          <p:cNvPr id="31" name="文本框 30"/>
+          <p:cNvSpPr txBox="1"/>
+          <p:nvPr/>
+        </p:nvSpPr>
+        <p:spPr>
+          <a:xfrm>
+            <a:off x="2425700" y="2661285"/>
+            <a:ext cx="752475" cy="368300"/>
+          </a:xfrm>
+          <a:prstGeom prst="rect">
+            <a:avLst/>
+          </a:prstGeom>
+          <a:noFill/>
+        </p:spPr>
+        <p:txBody>
+          <a:bodyPr wrap="square" rtlCol="0">
+            <a:spAutoFit/>
+          </a:bodyPr>
+          <a:p>
+            <a:r>
+              <a:rPr lang="en-US" altLang="zh-CN" i="1"/>
+              <a:t>   3*d</a:t>
+            </a:r>
+            <a:endParaRPr lang="en-US" altLang="zh-CN"/>
+          </a:p>
+        </p:txBody>
+      </p:sp>
+      <p:sp>
+        <p:nvSpPr>
+          <p:cNvPr id="32" name="文本框 31"/>
+          <p:cNvSpPr txBox="1"/>
+          <p:nvPr/>
+        </p:nvSpPr>
+        <p:spPr>
+          <a:xfrm>
+            <a:off x="6342380" y="2573020"/>
+            <a:ext cx="1370965" cy="368300"/>
+          </a:xfrm>
+          <a:prstGeom prst="rect">
+            <a:avLst/>
+          </a:prstGeom>
+          <a:noFill/>
+        </p:spPr>
+        <p:txBody>
+          <a:bodyPr wrap="square" rtlCol="0">
+            <a:spAutoFit/>
+          </a:bodyPr>
+          <a:p>
+            <a:r>
+              <a:rPr lang="en-US" altLang="zh-CN" i="1"/>
+              <a:t>   (n-1)*d</a:t>
+            </a:r>
+            <a:endParaRPr lang="en-US" altLang="zh-CN"/>
+          </a:p>
+        </p:txBody>
+      </p:sp>
     </p:spTree>
   </p:cSld>
   <p:clrMapOvr>
